--- a/Improve Gender Representaion with InstructLab.pptx
+++ b/Improve Gender Representaion with InstructLab.pptx
@@ -110,6 +110,11 @@
       </a:defRPr>
     </a:lvl9pPr>
   </p:defaultTextStyle>
+  <p:extLst>
+    <p:ext uri="{EFAFB233-063F-42B5-8137-9DF3F51BA10A}">
+      <p15:sldGuideLst xmlns:p15="http://schemas.microsoft.com/office/powerpoint/2012/main"/>
+    </p:ext>
+  </p:extLst>
 </p:presentation>
 </file>
 
@@ -5668,7 +5673,7 @@
   <dgm:whole/>
   <dgm:extLst>
     <a:ext uri="http://schemas.microsoft.com/office/drawing/2008/diagram">
-      <dsp:dataModelExt xmlns:dsp="http://schemas.microsoft.com/office/drawing/2008/diagram" relId="rId6" minVer="http://schemas.openxmlformats.org/drawingml/2006/diagram"/>
+      <dsp:dataModelExt xmlns:dsp="http://schemas.microsoft.com/office/drawing/2008/diagram" relId="rId7" minVer="http://schemas.openxmlformats.org/drawingml/2006/diagram"/>
     </a:ext>
   </dgm:extLst>
 </dgm:dataModel>
@@ -14116,6 +14121,90 @@
     <p:extLst>
       <p:ext uri="{BB962C8B-B14F-4D97-AF65-F5344CB8AC3E}">
         <p14:creationId xmlns:p14="http://schemas.microsoft.com/office/powerpoint/2010/main" val="3442213255"/>
+      </p:ext>
+    </p:extLst>
+  </p:cSld>
+  <p:clrMapOvr>
+    <a:masterClrMapping/>
+  </p:clrMapOvr>
+</p:notes>
+</file>
+
+<file path=ppt/notesSlides/notesSlide3.xml><?xml version="1.0" encoding="utf-8"?>
+<p:notes xmlns:a="http://schemas.openxmlformats.org/drawingml/2006/main" xmlns:r="http://schemas.openxmlformats.org/officeDocument/2006/relationships" xmlns:p="http://schemas.openxmlformats.org/presentationml/2006/main">
+  <p:cSld>
+    <p:spTree>
+      <p:nvGrpSpPr>
+        <p:cNvPr id="1" name=""/>
+        <p:cNvGrpSpPr/>
+        <p:nvPr/>
+      </p:nvGrpSpPr>
+      <p:grpSpPr>
+        <a:xfrm>
+          <a:off x="0" y="0"/>
+          <a:ext cx="0" cy="0"/>
+          <a:chOff x="0" y="0"/>
+          <a:chExt cx="0" cy="0"/>
+        </a:xfrm>
+      </p:grpSpPr>
+      <p:sp>
+        <p:nvSpPr>
+          <p:cNvPr id="2" name="Slide Image Placeholder 1"/>
+          <p:cNvSpPr>
+            <a:spLocks noGrp="1" noRot="1" noChangeAspect="1"/>
+          </p:cNvSpPr>
+          <p:nvPr>
+            <p:ph type="sldImg"/>
+          </p:nvPr>
+        </p:nvSpPr>
+        <p:spPr/>
+      </p:sp>
+      <p:sp>
+        <p:nvSpPr>
+          <p:cNvPr id="3" name="Notes Placeholder 2"/>
+          <p:cNvSpPr>
+            <a:spLocks noGrp="1"/>
+          </p:cNvSpPr>
+          <p:nvPr>
+            <p:ph type="body" idx="1"/>
+          </p:nvPr>
+        </p:nvSpPr>
+        <p:spPr/>
+        <p:txBody>
+          <a:bodyPr/>
+          <a:lstStyle/>
+          <a:p>
+            <a:endParaRPr lang="en-US" dirty="0"/>
+          </a:p>
+        </p:txBody>
+      </p:sp>
+      <p:sp>
+        <p:nvSpPr>
+          <p:cNvPr id="4" name="Slide Number Placeholder 3"/>
+          <p:cNvSpPr>
+            <a:spLocks noGrp="1"/>
+          </p:cNvSpPr>
+          <p:nvPr>
+            <p:ph type="sldNum" sz="quarter" idx="5"/>
+          </p:nvPr>
+        </p:nvSpPr>
+        <p:spPr/>
+        <p:txBody>
+          <a:bodyPr/>
+          <a:lstStyle/>
+          <a:p>
+            <a:fld id="{024520B7-92E8-8A49-B973-970476E93E6D}" type="slidenum">
+              <a:rPr lang="en-US" smtClean="0"/>
+              <a:t>4</a:t>
+            </a:fld>
+            <a:endParaRPr lang="en-US"/>
+          </a:p>
+        </p:txBody>
+      </p:sp>
+    </p:spTree>
+    <p:extLst>
+      <p:ext uri="{BB962C8B-B14F-4D97-AF65-F5344CB8AC3E}">
+        <p14:creationId xmlns:p14="http://schemas.microsoft.com/office/powerpoint/2010/main" val="1873332690"/>
       </p:ext>
     </p:extLst>
   </p:cSld>
@@ -18446,6 +18535,113 @@
           </a:p>
         </p:txBody>
       </p:sp>
+      <p:sp>
+        <p:nvSpPr>
+          <p:cNvPr id="4" name="Rounded Rectangle 3">
+            <a:extLst>
+              <a:ext uri="{FF2B5EF4-FFF2-40B4-BE49-F238E27FC236}">
+                <a16:creationId xmlns:a16="http://schemas.microsoft.com/office/drawing/2014/main" id="{8FDF9D24-5E12-56F3-D8E5-F2F736E8FE2F}"/>
+              </a:ext>
+            </a:extLst>
+          </p:cNvPr>
+          <p:cNvSpPr/>
+          <p:nvPr/>
+        </p:nvSpPr>
+        <p:spPr>
+          <a:xfrm>
+            <a:off x="358342" y="1093304"/>
+            <a:ext cx="11111415" cy="2653748"/>
+          </a:xfrm>
+          <a:prstGeom prst="roundRect">
+            <a:avLst/>
+          </a:prstGeom>
+          <a:noFill/>
+          <a:ln>
+            <a:solidFill>
+              <a:schemeClr val="accent3">
+                <a:lumMod val="60000"/>
+                <a:lumOff val="40000"/>
+              </a:schemeClr>
+            </a:solidFill>
+          </a:ln>
+        </p:spPr>
+        <p:style>
+          <a:lnRef idx="2">
+            <a:schemeClr val="accent1">
+              <a:shade val="15000"/>
+            </a:schemeClr>
+          </a:lnRef>
+          <a:fillRef idx="1">
+            <a:schemeClr val="accent1"/>
+          </a:fillRef>
+          <a:effectRef idx="0">
+            <a:schemeClr val="accent1"/>
+          </a:effectRef>
+          <a:fontRef idx="minor">
+            <a:schemeClr val="lt1"/>
+          </a:fontRef>
+        </p:style>
+        <p:txBody>
+          <a:bodyPr rtlCol="0" anchor="ctr"/>
+          <a:lstStyle/>
+          <a:p>
+            <a:pPr algn="ctr"/>
+            <a:endParaRPr lang="en-US"/>
+          </a:p>
+        </p:txBody>
+      </p:sp>
+      <p:sp>
+        <p:nvSpPr>
+          <p:cNvPr id="7" name="Rounded Rectangle 6">
+            <a:extLst>
+              <a:ext uri="{FF2B5EF4-FFF2-40B4-BE49-F238E27FC236}">
+                <a16:creationId xmlns:a16="http://schemas.microsoft.com/office/drawing/2014/main" id="{169FB680-CFB3-6DCF-6D67-287B7EAD8AB6}"/>
+              </a:ext>
+            </a:extLst>
+          </p:cNvPr>
+          <p:cNvSpPr/>
+          <p:nvPr/>
+        </p:nvSpPr>
+        <p:spPr>
+          <a:xfrm>
+            <a:off x="388646" y="3937076"/>
+            <a:ext cx="11111415" cy="2653748"/>
+          </a:xfrm>
+          <a:prstGeom prst="roundRect">
+            <a:avLst/>
+          </a:prstGeom>
+          <a:noFill/>
+          <a:ln>
+            <a:solidFill>
+              <a:srgbClr val="FF0000"/>
+            </a:solidFill>
+          </a:ln>
+        </p:spPr>
+        <p:style>
+          <a:lnRef idx="2">
+            <a:schemeClr val="accent1">
+              <a:shade val="15000"/>
+            </a:schemeClr>
+          </a:lnRef>
+          <a:fillRef idx="1">
+            <a:schemeClr val="accent1"/>
+          </a:fillRef>
+          <a:effectRef idx="0">
+            <a:schemeClr val="accent1"/>
+          </a:effectRef>
+          <a:fontRef idx="minor">
+            <a:schemeClr val="lt1"/>
+          </a:fontRef>
+        </p:style>
+        <p:txBody>
+          <a:bodyPr rtlCol="0" anchor="ctr"/>
+          <a:lstStyle/>
+          <a:p>
+            <a:pPr algn="ctr"/>
+            <a:endParaRPr lang="en-US"/>
+          </a:p>
+        </p:txBody>
+      </p:sp>
     </p:spTree>
     <p:extLst>
       <p:ext uri="{BB962C8B-B14F-4D97-AF65-F5344CB8AC3E}">
@@ -18509,7 +18705,7 @@
         </p:xfrm>
         <a:graphic>
           <a:graphicData uri="http://schemas.openxmlformats.org/drawingml/2006/diagram">
-            <dgm:relIds xmlns:dgm="http://schemas.openxmlformats.org/drawingml/2006/diagram" xmlns:r="http://schemas.openxmlformats.org/officeDocument/2006/relationships" r:dm="rId2" r:lo="rId3" r:qs="rId4" r:cs="rId5"/>
+            <dgm:relIds xmlns:dgm="http://schemas.openxmlformats.org/drawingml/2006/diagram" xmlns:r="http://schemas.openxmlformats.org/officeDocument/2006/relationships" r:dm="rId3" r:lo="rId4" r:qs="rId5" r:cs="rId6"/>
           </a:graphicData>
         </a:graphic>
       </p:graphicFrame>
